--- a/TriviaTED.pptx
+++ b/TriviaTED.pptx
@@ -5,10 +5,10 @@
     <p:sldMasterId id="2147483648" r:id="rId1"/>
   </p:sldMasterIdLst>
   <p:notesMasterIdLst>
-    <p:notesMasterId r:id="rId7"/>
+    <p:notesMasterId r:id="rId8"/>
   </p:notesMasterIdLst>
   <p:handoutMasterIdLst>
-    <p:handoutMasterId r:id="rId8"/>
+    <p:handoutMasterId r:id="rId9"/>
   </p:handoutMasterIdLst>
   <p:sldIdLst>
     <p:sldId id="256" r:id="rId2"/>
@@ -16,6 +16,7 @@
     <p:sldId id="258" r:id="rId4"/>
     <p:sldId id="259" r:id="rId5"/>
     <p:sldId id="260" r:id="rId6"/>
+    <p:sldId id="261" r:id="rId7"/>
   </p:sldIdLst>
   <p:sldSz cx="12192000" cy="6858000"/>
   <p:notesSz cx="6858000" cy="9144000"/>
@@ -219,7 +220,7 @@
           <a:p>
             <a:fld id="{7825481E-31EC-4F43-8552-D9976D0368E7}" type="datetimeFigureOut">
               <a:rPr lang="en-US" smtClean="0"/>
-              <a:t>4/25/2021</a:t>
+              <a:t>5/9/2021</a:t>
             </a:fld>
             <a:endParaRPr lang="en-US"/>
           </a:p>
@@ -396,7 +397,7 @@
           <a:p>
             <a:fld id="{1A770215-E1CE-4563-801F-87A4EE4A64E9}" type="datetimeFigureOut">
               <a:rPr lang="en-US" smtClean="0"/>
-              <a:t>4/25/2021</a:t>
+              <a:t>5/9/2021</a:t>
             </a:fld>
             <a:endParaRPr lang="en-US"/>
           </a:p>
@@ -810,7 +811,7 @@
           <a:p>
             <a:fld id="{D3CABAE0-76FA-4600-B41D-E956583E598F}" type="datetimeFigureOut">
               <a:rPr lang="en-US" smtClean="0"/>
-              <a:t>4/25/2021</a:t>
+              <a:t>5/9/2021</a:t>
             </a:fld>
             <a:endParaRPr lang="en-US"/>
           </a:p>
@@ -1008,7 +1009,7 @@
           <a:p>
             <a:fld id="{D3CABAE0-76FA-4600-B41D-E956583E598F}" type="datetimeFigureOut">
               <a:rPr lang="en-US" smtClean="0"/>
-              <a:t>4/25/2021</a:t>
+              <a:t>5/9/2021</a:t>
             </a:fld>
             <a:endParaRPr lang="en-US"/>
           </a:p>
@@ -1216,7 +1217,7 @@
           <a:p>
             <a:fld id="{D3CABAE0-76FA-4600-B41D-E956583E598F}" type="datetimeFigureOut">
               <a:rPr lang="en-US" smtClean="0"/>
-              <a:t>4/25/2021</a:t>
+              <a:t>5/9/2021</a:t>
             </a:fld>
             <a:endParaRPr lang="en-US"/>
           </a:p>
@@ -1414,7 +1415,7 @@
           <a:p>
             <a:fld id="{D3CABAE0-76FA-4600-B41D-E956583E598F}" type="datetimeFigureOut">
               <a:rPr lang="en-US" smtClean="0"/>
-              <a:t>4/25/2021</a:t>
+              <a:t>5/9/2021</a:t>
             </a:fld>
             <a:endParaRPr lang="en-US"/>
           </a:p>
@@ -1689,7 +1690,7 @@
           <a:p>
             <a:fld id="{D3CABAE0-76FA-4600-B41D-E956583E598F}" type="datetimeFigureOut">
               <a:rPr lang="en-US" smtClean="0"/>
-              <a:t>4/25/2021</a:t>
+              <a:t>5/9/2021</a:t>
             </a:fld>
             <a:endParaRPr lang="en-US"/>
           </a:p>
@@ -1954,7 +1955,7 @@
           <a:p>
             <a:fld id="{D3CABAE0-76FA-4600-B41D-E956583E598F}" type="datetimeFigureOut">
               <a:rPr lang="en-US" smtClean="0"/>
-              <a:t>4/25/2021</a:t>
+              <a:t>5/9/2021</a:t>
             </a:fld>
             <a:endParaRPr lang="en-US"/>
           </a:p>
@@ -2366,7 +2367,7 @@
           <a:p>
             <a:fld id="{D3CABAE0-76FA-4600-B41D-E956583E598F}" type="datetimeFigureOut">
               <a:rPr lang="en-US" smtClean="0"/>
-              <a:t>4/25/2021</a:t>
+              <a:t>5/9/2021</a:t>
             </a:fld>
             <a:endParaRPr lang="en-US"/>
           </a:p>
@@ -2507,7 +2508,7 @@
           <a:p>
             <a:fld id="{D3CABAE0-76FA-4600-B41D-E956583E598F}" type="datetimeFigureOut">
               <a:rPr lang="en-US" smtClean="0"/>
-              <a:t>4/25/2021</a:t>
+              <a:t>5/9/2021</a:t>
             </a:fld>
             <a:endParaRPr lang="en-US"/>
           </a:p>
@@ -2620,7 +2621,7 @@
           <a:p>
             <a:fld id="{D3CABAE0-76FA-4600-B41D-E956583E598F}" type="datetimeFigureOut">
               <a:rPr lang="en-US" smtClean="0"/>
-              <a:t>4/25/2021</a:t>
+              <a:t>5/9/2021</a:t>
             </a:fld>
             <a:endParaRPr lang="en-US"/>
           </a:p>
@@ -2931,7 +2932,7 @@
           <a:p>
             <a:fld id="{D3CABAE0-76FA-4600-B41D-E956583E598F}" type="datetimeFigureOut">
               <a:rPr lang="en-US" smtClean="0"/>
-              <a:t>4/25/2021</a:t>
+              <a:t>5/9/2021</a:t>
             </a:fld>
             <a:endParaRPr lang="en-US"/>
           </a:p>
@@ -3219,7 +3220,7 @@
           <a:p>
             <a:fld id="{D3CABAE0-76FA-4600-B41D-E956583E598F}" type="datetimeFigureOut">
               <a:rPr lang="en-US" smtClean="0"/>
-              <a:t>4/25/2021</a:t>
+              <a:t>5/9/2021</a:t>
             </a:fld>
             <a:endParaRPr lang="en-US"/>
           </a:p>
@@ -3460,7 +3461,7 @@
           <a:p>
             <a:fld id="{D3CABAE0-76FA-4600-B41D-E956583E598F}" type="datetimeFigureOut">
               <a:rPr lang="en-US" smtClean="0"/>
-              <a:t>4/25/2021</a:t>
+              <a:t>5/9/2021</a:t>
             </a:fld>
             <a:endParaRPr lang="en-US"/>
           </a:p>
@@ -6335,34 +6336,41 @@
           </a:p>
         </p:txBody>
       </p:sp>
-      <p:sp>
-        <p:nvSpPr>
-          <p:cNvPr id="3" name="Content Placeholder 2">
-            <a:extLst>
-              <a:ext uri="{FF2B5EF4-FFF2-40B4-BE49-F238E27FC236}">
-                <a16:creationId xmlns:a16="http://schemas.microsoft.com/office/drawing/2014/main" id="{F303830A-6DEF-4B19-9222-3CDB7C49069E}"/>
-              </a:ext>
-            </a:extLst>
-          </p:cNvPr>
-          <p:cNvSpPr>
-            <a:spLocks noGrp="1"/>
-          </p:cNvSpPr>
+      <p:pic>
+        <p:nvPicPr>
+          <p:cNvPr id="6" name="Content Placeholder 5">
+            <a:extLst>
+              <a:ext uri="{FF2B5EF4-FFF2-40B4-BE49-F238E27FC236}">
+                <a16:creationId xmlns:a16="http://schemas.microsoft.com/office/drawing/2014/main" id="{A69419F7-C5B3-4632-9262-CF66B2F44879}"/>
+              </a:ext>
+            </a:extLst>
+          </p:cNvPr>
+          <p:cNvPicPr>
+            <a:picLocks noGrp="1" noChangeAspect="1"/>
+          </p:cNvPicPr>
           <p:nvPr>
             <p:ph idx="1"/>
           </p:nvPr>
-        </p:nvSpPr>
-        <p:spPr/>
-        <p:txBody>
-          <a:bodyPr/>
-          <a:lstStyle/>
-          <a:p>
-            <a:endParaRPr lang="en-US" dirty="0">
-              <a:latin typeface="Helvetica" panose="020B0604020202020204" pitchFamily="34" charset="0"/>
-              <a:cs typeface="Helvetica" panose="020B0604020202020204" pitchFamily="34" charset="0"/>
-            </a:endParaRPr>
-          </a:p>
-        </p:txBody>
-      </p:sp>
+        </p:nvPicPr>
+        <p:blipFill>
+          <a:blip r:embed="rId2">
+            <a:extLst>
+              <a:ext uri="{28A0092B-C50C-407E-A947-70E740481C1C}">
+                <a14:useLocalDpi xmlns:a14="http://schemas.microsoft.com/office/drawing/2010/main" val="0"/>
+              </a:ext>
+            </a:extLst>
+          </a:blip>
+          <a:stretch>
+            <a:fillRect/>
+          </a:stretch>
+        </p:blipFill>
+        <p:spPr>
+          <a:xfrm>
+            <a:off x="4263500" y="1193442"/>
+            <a:ext cx="6850602" cy="4935448"/>
+          </a:xfrm>
+        </p:spPr>
+      </p:pic>
       <p:pic>
         <p:nvPicPr>
           <p:cNvPr id="5" name="Picture 4">
@@ -6378,7 +6386,7 @@
           <p:nvPr/>
         </p:nvPicPr>
         <p:blipFill>
-          <a:blip r:embed="rId2">
+          <a:blip r:embed="rId3">
             <a:extLst>
               <a:ext uri="{28A0092B-C50C-407E-A947-70E740481C1C}">
                 <a14:useLocalDpi xmlns:a14="http://schemas.microsoft.com/office/drawing/2010/main" val="0"/>
@@ -6399,6 +6407,426 @@
           </a:prstGeom>
         </p:spPr>
       </p:pic>
+      <p:sp>
+        <p:nvSpPr>
+          <p:cNvPr id="7" name="TextBox 6">
+            <a:extLst>
+              <a:ext uri="{FF2B5EF4-FFF2-40B4-BE49-F238E27FC236}">
+                <a16:creationId xmlns:a16="http://schemas.microsoft.com/office/drawing/2014/main" id="{32EE1859-91ED-4906-8E27-C9B0BE6D69F8}"/>
+              </a:ext>
+            </a:extLst>
+          </p:cNvPr>
+          <p:cNvSpPr txBox="1"/>
+          <p:nvPr/>
+        </p:nvSpPr>
+        <p:spPr>
+          <a:xfrm>
+            <a:off x="838199" y="2086252"/>
+            <a:ext cx="3186345" cy="3662541"/>
+          </a:xfrm>
+          <a:prstGeom prst="rect">
+            <a:avLst/>
+          </a:prstGeom>
+          <a:noFill/>
+        </p:spPr>
+        <p:txBody>
+          <a:bodyPr wrap="square" rtlCol="0">
+            <a:spAutoFit/>
+          </a:bodyPr>
+          <a:lstStyle/>
+          <a:p>
+            <a:r>
+              <a:rPr lang="en-US" dirty="0" err="1">
+                <a:latin typeface="Helvetica" panose="020B0604020202020204" pitchFamily="34" charset="0"/>
+                <a:cs typeface="Helvetica" panose="020B0604020202020204" pitchFamily="34" charset="0"/>
+              </a:rPr>
+              <a:t>Generalità</a:t>
+            </a:r>
+            <a:r>
+              <a:rPr lang="en-US" dirty="0">
+                <a:latin typeface="Helvetica" panose="020B0604020202020204" pitchFamily="34" charset="0"/>
+                <a:cs typeface="Helvetica" panose="020B0604020202020204" pitchFamily="34" charset="0"/>
+              </a:rPr>
+              <a:t>:</a:t>
+            </a:r>
+          </a:p>
+          <a:p>
+            <a:pPr marL="285750" indent="-285750">
+              <a:buFont typeface="Arial" panose="020B0604020202020204" pitchFamily="34" charset="0"/>
+              <a:buChar char="•"/>
+            </a:pPr>
+            <a:r>
+              <a:rPr lang="en-US" dirty="0">
+                <a:latin typeface="Helvetica" panose="020B0604020202020204" pitchFamily="34" charset="0"/>
+                <a:cs typeface="Helvetica" panose="020B0604020202020204" pitchFamily="34" charset="0"/>
+              </a:rPr>
+              <a:t>Il crawler </a:t>
+            </a:r>
+            <a:r>
+              <a:rPr lang="en-US" dirty="0" err="1">
+                <a:latin typeface="Helvetica" panose="020B0604020202020204" pitchFamily="34" charset="0"/>
+                <a:cs typeface="Helvetica" panose="020B0604020202020204" pitchFamily="34" charset="0"/>
+              </a:rPr>
+              <a:t>prende</a:t>
+            </a:r>
+            <a:r>
+              <a:rPr lang="en-US" dirty="0">
+                <a:latin typeface="Helvetica" panose="020B0604020202020204" pitchFamily="34" charset="0"/>
+                <a:cs typeface="Helvetica" panose="020B0604020202020204" pitchFamily="34" charset="0"/>
+              </a:rPr>
+              <a:t> </a:t>
+            </a:r>
+            <a:r>
+              <a:rPr lang="en-US" dirty="0" err="1">
+                <a:latin typeface="Helvetica" panose="020B0604020202020204" pitchFamily="34" charset="0"/>
+                <a:cs typeface="Helvetica" panose="020B0604020202020204" pitchFamily="34" charset="0"/>
+              </a:rPr>
+              <a:t>dati</a:t>
+            </a:r>
+            <a:r>
+              <a:rPr lang="en-US" dirty="0">
+                <a:latin typeface="Helvetica" panose="020B0604020202020204" pitchFamily="34" charset="0"/>
+                <a:cs typeface="Helvetica" panose="020B0604020202020204" pitchFamily="34" charset="0"/>
+              </a:rPr>
+              <a:t> </a:t>
+            </a:r>
+            <a:r>
+              <a:rPr lang="en-US" dirty="0" err="1">
+                <a:latin typeface="Helvetica" panose="020B0604020202020204" pitchFamily="34" charset="0"/>
+                <a:cs typeface="Helvetica" panose="020B0604020202020204" pitchFamily="34" charset="0"/>
+              </a:rPr>
+              <a:t>aggiornati</a:t>
+            </a:r>
+            <a:r>
+              <a:rPr lang="en-US" dirty="0">
+                <a:latin typeface="Helvetica" panose="020B0604020202020204" pitchFamily="34" charset="0"/>
+                <a:cs typeface="Helvetica" panose="020B0604020202020204" pitchFamily="34" charset="0"/>
+              </a:rPr>
+              <a:t> dal </a:t>
+            </a:r>
+            <a:r>
+              <a:rPr lang="en-US" dirty="0" err="1">
+                <a:latin typeface="Helvetica" panose="020B0604020202020204" pitchFamily="34" charset="0"/>
+                <a:cs typeface="Helvetica" panose="020B0604020202020204" pitchFamily="34" charset="0"/>
+              </a:rPr>
+              <a:t>sito</a:t>
+            </a:r>
+            <a:r>
+              <a:rPr lang="en-US" dirty="0">
+                <a:latin typeface="Helvetica" panose="020B0604020202020204" pitchFamily="34" charset="0"/>
+                <a:cs typeface="Helvetica" panose="020B0604020202020204" pitchFamily="34" charset="0"/>
+              </a:rPr>
+              <a:t> di </a:t>
+            </a:r>
+            <a:r>
+              <a:rPr lang="en-US" b="1" dirty="0">
+                <a:solidFill>
+                  <a:srgbClr val="FF0000"/>
+                </a:solidFill>
+                <a:latin typeface="Helvetica" panose="020B0604020202020204" pitchFamily="34" charset="0"/>
+                <a:cs typeface="Helvetica" panose="020B0604020202020204" pitchFamily="34" charset="0"/>
+              </a:rPr>
+              <a:t>TED</a:t>
+            </a:r>
+            <a:r>
+              <a:rPr lang="en-US" dirty="0">
+                <a:latin typeface="Helvetica" panose="020B0604020202020204" pitchFamily="34" charset="0"/>
+                <a:cs typeface="Helvetica" panose="020B0604020202020204" pitchFamily="34" charset="0"/>
+              </a:rPr>
+              <a:t> e </a:t>
+            </a:r>
+            <a:r>
+              <a:rPr lang="en-US" dirty="0" err="1">
+                <a:latin typeface="Helvetica" panose="020B0604020202020204" pitchFamily="34" charset="0"/>
+                <a:cs typeface="Helvetica" panose="020B0604020202020204" pitchFamily="34" charset="0"/>
+              </a:rPr>
+              <a:t>giornalmente</a:t>
+            </a:r>
+            <a:r>
+              <a:rPr lang="en-US" dirty="0">
+                <a:latin typeface="Helvetica" panose="020B0604020202020204" pitchFamily="34" charset="0"/>
+                <a:cs typeface="Helvetica" panose="020B0604020202020204" pitchFamily="34" charset="0"/>
+              </a:rPr>
+              <a:t> </a:t>
+            </a:r>
+            <a:r>
+              <a:rPr lang="en-US" dirty="0" err="1">
+                <a:latin typeface="Helvetica" panose="020B0604020202020204" pitchFamily="34" charset="0"/>
+                <a:cs typeface="Helvetica" panose="020B0604020202020204" pitchFamily="34" charset="0"/>
+              </a:rPr>
+              <a:t>viene</a:t>
+            </a:r>
+            <a:r>
+              <a:rPr lang="en-US" dirty="0">
+                <a:latin typeface="Helvetica" panose="020B0604020202020204" pitchFamily="34" charset="0"/>
+                <a:cs typeface="Helvetica" panose="020B0604020202020204" pitchFamily="34" charset="0"/>
+              </a:rPr>
+              <a:t> </a:t>
+            </a:r>
+            <a:r>
+              <a:rPr lang="en-US" dirty="0" err="1">
+                <a:latin typeface="Helvetica" panose="020B0604020202020204" pitchFamily="34" charset="0"/>
+                <a:cs typeface="Helvetica" panose="020B0604020202020204" pitchFamily="34" charset="0"/>
+              </a:rPr>
+              <a:t>fatto</a:t>
+            </a:r>
+            <a:r>
+              <a:rPr lang="en-US" dirty="0">
+                <a:latin typeface="Helvetica" panose="020B0604020202020204" pitchFamily="34" charset="0"/>
+                <a:cs typeface="Helvetica" panose="020B0604020202020204" pitchFamily="34" charset="0"/>
+              </a:rPr>
+              <a:t> il dump </a:t>
+            </a:r>
+            <a:r>
+              <a:rPr lang="en-US" dirty="0" err="1">
+                <a:latin typeface="Helvetica" panose="020B0604020202020204" pitchFamily="34" charset="0"/>
+                <a:cs typeface="Helvetica" panose="020B0604020202020204" pitchFamily="34" charset="0"/>
+              </a:rPr>
+              <a:t>sul</a:t>
+            </a:r>
+            <a:r>
+              <a:rPr lang="en-US" dirty="0">
+                <a:latin typeface="Helvetica" panose="020B0604020202020204" pitchFamily="34" charset="0"/>
+                <a:cs typeface="Helvetica" panose="020B0604020202020204" pitchFamily="34" charset="0"/>
+              </a:rPr>
+              <a:t> DB da una </a:t>
+            </a:r>
+            <a:r>
+              <a:rPr lang="en-US" dirty="0" err="1">
+                <a:latin typeface="Helvetica" panose="020B0604020202020204" pitchFamily="34" charset="0"/>
+                <a:cs typeface="Helvetica" panose="020B0604020202020204" pitchFamily="34" charset="0"/>
+              </a:rPr>
+              <a:t>componente</a:t>
+            </a:r>
+            <a:r>
+              <a:rPr lang="en-US" dirty="0">
+                <a:latin typeface="Helvetica" panose="020B0604020202020204" pitchFamily="34" charset="0"/>
+                <a:cs typeface="Helvetica" panose="020B0604020202020204" pitchFamily="34" charset="0"/>
+              </a:rPr>
+              <a:t> Glue</a:t>
+            </a:r>
+          </a:p>
+          <a:p>
+            <a:pPr marL="285750" indent="-285750">
+              <a:buFont typeface="Arial" panose="020B0604020202020204" pitchFamily="34" charset="0"/>
+              <a:buChar char="•"/>
+            </a:pPr>
+            <a:r>
+              <a:rPr lang="en-US" dirty="0" err="1">
+                <a:latin typeface="Helvetica" panose="020B0604020202020204" pitchFamily="34" charset="0"/>
+                <a:cs typeface="Helvetica" panose="020B0604020202020204" pitchFamily="34" charset="0"/>
+              </a:rPr>
+              <a:t>L’utente</a:t>
+            </a:r>
+            <a:r>
+              <a:rPr lang="en-US" dirty="0">
+                <a:latin typeface="Helvetica" panose="020B0604020202020204" pitchFamily="34" charset="0"/>
+                <a:cs typeface="Helvetica" panose="020B0604020202020204" pitchFamily="34" charset="0"/>
+              </a:rPr>
+              <a:t> </a:t>
+            </a:r>
+            <a:r>
+              <a:rPr lang="en-US" dirty="0" err="1">
+                <a:latin typeface="Helvetica" panose="020B0604020202020204" pitchFamily="34" charset="0"/>
+                <a:cs typeface="Helvetica" panose="020B0604020202020204" pitchFamily="34" charset="0"/>
+              </a:rPr>
+              <a:t>riceve</a:t>
+            </a:r>
+            <a:r>
+              <a:rPr lang="en-US" dirty="0">
+                <a:latin typeface="Helvetica" panose="020B0604020202020204" pitchFamily="34" charset="0"/>
+                <a:cs typeface="Helvetica" panose="020B0604020202020204" pitchFamily="34" charset="0"/>
+              </a:rPr>
+              <a:t> </a:t>
+            </a:r>
+            <a:r>
+              <a:rPr lang="en-US" dirty="0" err="1">
+                <a:latin typeface="Helvetica" panose="020B0604020202020204" pitchFamily="34" charset="0"/>
+                <a:cs typeface="Helvetica" panose="020B0604020202020204" pitchFamily="34" charset="0"/>
+              </a:rPr>
+              <a:t>notifiche</a:t>
+            </a:r>
+            <a:r>
+              <a:rPr lang="en-US" dirty="0">
+                <a:latin typeface="Helvetica" panose="020B0604020202020204" pitchFamily="34" charset="0"/>
+                <a:cs typeface="Helvetica" panose="020B0604020202020204" pitchFamily="34" charset="0"/>
+              </a:rPr>
+              <a:t> </a:t>
+            </a:r>
+            <a:r>
+              <a:rPr lang="en-US" dirty="0" err="1">
+                <a:latin typeface="Helvetica" panose="020B0604020202020204" pitchFamily="34" charset="0"/>
+                <a:cs typeface="Helvetica" panose="020B0604020202020204" pitchFamily="34" charset="0"/>
+              </a:rPr>
+              <a:t>sugli</a:t>
+            </a:r>
+            <a:r>
+              <a:rPr lang="en-US" dirty="0">
+                <a:latin typeface="Helvetica" panose="020B0604020202020204" pitchFamily="34" charset="0"/>
+                <a:cs typeface="Helvetica" panose="020B0604020202020204" pitchFamily="34" charset="0"/>
+              </a:rPr>
+              <a:t> </a:t>
+            </a:r>
+            <a:r>
+              <a:rPr lang="en-US" dirty="0" err="1">
+                <a:latin typeface="Helvetica" panose="020B0604020202020204" pitchFamily="34" charset="0"/>
+                <a:cs typeface="Helvetica" panose="020B0604020202020204" pitchFamily="34" charset="0"/>
+              </a:rPr>
+              <a:t>eventi</a:t>
+            </a:r>
+            <a:r>
+              <a:rPr lang="en-US" dirty="0">
+                <a:latin typeface="Helvetica" panose="020B0604020202020204" pitchFamily="34" charset="0"/>
+                <a:cs typeface="Helvetica" panose="020B0604020202020204" pitchFamily="34" charset="0"/>
+              </a:rPr>
+              <a:t> del clan ed </a:t>
+            </a:r>
+            <a:r>
+              <a:rPr lang="en-US" dirty="0" err="1">
+                <a:latin typeface="Helvetica" panose="020B0604020202020204" pitchFamily="34" charset="0"/>
+                <a:cs typeface="Helvetica" panose="020B0604020202020204" pitchFamily="34" charset="0"/>
+              </a:rPr>
+              <a:t>utilizza</a:t>
+            </a:r>
+            <a:r>
+              <a:rPr lang="en-US" dirty="0">
+                <a:latin typeface="Helvetica" panose="020B0604020202020204" pitchFamily="34" charset="0"/>
+                <a:cs typeface="Helvetica" panose="020B0604020202020204" pitchFamily="34" charset="0"/>
+              </a:rPr>
+              <a:t> le </a:t>
+            </a:r>
+            <a:r>
+              <a:rPr lang="en-US" dirty="0" err="1">
+                <a:latin typeface="Helvetica" panose="020B0604020202020204" pitchFamily="34" charset="0"/>
+                <a:cs typeface="Helvetica" panose="020B0604020202020204" pitchFamily="34" charset="0"/>
+              </a:rPr>
+              <a:t>funzioni</a:t>
+            </a:r>
+            <a:r>
+              <a:rPr lang="en-US" dirty="0">
+                <a:latin typeface="Helvetica" panose="020B0604020202020204" pitchFamily="34" charset="0"/>
+                <a:cs typeface="Helvetica" panose="020B0604020202020204" pitchFamily="34" charset="0"/>
+              </a:rPr>
+              <a:t> </a:t>
+            </a:r>
+            <a:r>
+              <a:rPr lang="en-US" dirty="0" err="1">
+                <a:latin typeface="Helvetica" panose="020B0604020202020204" pitchFamily="34" charset="0"/>
+                <a:cs typeface="Helvetica" panose="020B0604020202020204" pitchFamily="34" charset="0"/>
+              </a:rPr>
+              <a:t>messe</a:t>
+            </a:r>
+            <a:r>
+              <a:rPr lang="en-US" dirty="0">
+                <a:latin typeface="Helvetica" panose="020B0604020202020204" pitchFamily="34" charset="0"/>
+                <a:cs typeface="Helvetica" panose="020B0604020202020204" pitchFamily="34" charset="0"/>
+              </a:rPr>
+              <a:t> a </a:t>
+            </a:r>
+            <a:r>
+              <a:rPr lang="en-US" dirty="0" err="1">
+                <a:latin typeface="Helvetica" panose="020B0604020202020204" pitchFamily="34" charset="0"/>
+                <a:cs typeface="Helvetica" panose="020B0604020202020204" pitchFamily="34" charset="0"/>
+              </a:rPr>
+              <a:t>disposizione</a:t>
+            </a:r>
+            <a:endParaRPr lang="en-US" dirty="0">
+              <a:latin typeface="Helvetica" panose="020B0604020202020204" pitchFamily="34" charset="0"/>
+              <a:cs typeface="Helvetica" panose="020B0604020202020204" pitchFamily="34" charset="0"/>
+            </a:endParaRPr>
+          </a:p>
+          <a:p>
+            <a:pPr marL="285750" indent="-285750">
+              <a:buFont typeface="Arial" panose="020B0604020202020204" pitchFamily="34" charset="0"/>
+              <a:buChar char="•"/>
+            </a:pPr>
+            <a:r>
+              <a:rPr lang="en-US" dirty="0">
+                <a:latin typeface="Helvetica" panose="020B0604020202020204" pitchFamily="34" charset="0"/>
+                <a:cs typeface="Helvetica" panose="020B0604020202020204" pitchFamily="34" charset="0"/>
+              </a:rPr>
+              <a:t>Cognito </a:t>
+            </a:r>
+            <a:r>
+              <a:rPr lang="en-US" dirty="0" err="1">
+                <a:latin typeface="Helvetica" panose="020B0604020202020204" pitchFamily="34" charset="0"/>
+                <a:cs typeface="Helvetica" panose="020B0604020202020204" pitchFamily="34" charset="0"/>
+              </a:rPr>
+              <a:t>si</a:t>
+            </a:r>
+            <a:r>
+              <a:rPr lang="en-US" dirty="0">
+                <a:latin typeface="Helvetica" panose="020B0604020202020204" pitchFamily="34" charset="0"/>
+                <a:cs typeface="Helvetica" panose="020B0604020202020204" pitchFamily="34" charset="0"/>
+              </a:rPr>
+              <a:t> </a:t>
+            </a:r>
+            <a:r>
+              <a:rPr lang="en-US" dirty="0" err="1">
+                <a:latin typeface="Helvetica" panose="020B0604020202020204" pitchFamily="34" charset="0"/>
+                <a:cs typeface="Helvetica" panose="020B0604020202020204" pitchFamily="34" charset="0"/>
+              </a:rPr>
+              <a:t>occupa</a:t>
+            </a:r>
+            <a:r>
+              <a:rPr lang="en-US" dirty="0">
+                <a:latin typeface="Helvetica" panose="020B0604020202020204" pitchFamily="34" charset="0"/>
+                <a:cs typeface="Helvetica" panose="020B0604020202020204" pitchFamily="34" charset="0"/>
+              </a:rPr>
+              <a:t> </a:t>
+            </a:r>
+            <a:r>
+              <a:rPr lang="en-US" dirty="0" err="1">
+                <a:latin typeface="Helvetica" panose="020B0604020202020204" pitchFamily="34" charset="0"/>
+                <a:cs typeface="Helvetica" panose="020B0604020202020204" pitchFamily="34" charset="0"/>
+              </a:rPr>
+              <a:t>della</a:t>
+            </a:r>
+            <a:r>
+              <a:rPr lang="en-US" dirty="0">
+                <a:latin typeface="Helvetica" panose="020B0604020202020204" pitchFamily="34" charset="0"/>
+                <a:cs typeface="Helvetica" panose="020B0604020202020204" pitchFamily="34" charset="0"/>
+              </a:rPr>
+              <a:t> </a:t>
+            </a:r>
+            <a:r>
+              <a:rPr lang="en-US" dirty="0" err="1">
+                <a:latin typeface="Helvetica" panose="020B0604020202020204" pitchFamily="34" charset="0"/>
+                <a:cs typeface="Helvetica" panose="020B0604020202020204" pitchFamily="34" charset="0"/>
+              </a:rPr>
+              <a:t>fase</a:t>
+            </a:r>
+            <a:r>
+              <a:rPr lang="en-US" dirty="0">
+                <a:latin typeface="Helvetica" panose="020B0604020202020204" pitchFamily="34" charset="0"/>
+                <a:cs typeface="Helvetica" panose="020B0604020202020204" pitchFamily="34" charset="0"/>
+              </a:rPr>
+              <a:t> di </a:t>
+            </a:r>
+            <a:r>
+              <a:rPr lang="en-US" dirty="0" err="1">
+                <a:latin typeface="Helvetica" panose="020B0604020202020204" pitchFamily="34" charset="0"/>
+                <a:cs typeface="Helvetica" panose="020B0604020202020204" pitchFamily="34" charset="0"/>
+              </a:rPr>
+              <a:t>autenticazione</a:t>
+            </a:r>
+            <a:endParaRPr lang="en-US" dirty="0">
+              <a:latin typeface="Helvetica" panose="020B0604020202020204" pitchFamily="34" charset="0"/>
+              <a:cs typeface="Helvetica" panose="020B0604020202020204" pitchFamily="34" charset="0"/>
+            </a:endParaRPr>
+          </a:p>
+          <a:p>
+            <a:pPr marL="285750" indent="-285750">
+              <a:buFont typeface="Arial" panose="020B0604020202020204" pitchFamily="34" charset="0"/>
+              <a:buChar char="•"/>
+            </a:pPr>
+            <a:endParaRPr lang="en-US" sz="1600" dirty="0">
+              <a:latin typeface="Helvetica" panose="020B0604020202020204" pitchFamily="34" charset="0"/>
+              <a:cs typeface="Helvetica" panose="020B0604020202020204" pitchFamily="34" charset="0"/>
+            </a:endParaRPr>
+          </a:p>
+        </p:txBody>
+      </p:sp>
     </p:spTree>
     <p:extLst>
       <p:ext uri="{BB962C8B-B14F-4D97-AF65-F5344CB8AC3E}">
@@ -6408,6 +6836,635 @@
   </p:cSld>
   <p:clrMapOvr>
     <a:masterClrMapping/>
+  </p:clrMapOvr>
+</p:sld>
+</file>
+
+<file path=ppt/slides/slide6.xml><?xml version="1.0" encoding="utf-8"?>
+<p:sld xmlns:a="http://schemas.openxmlformats.org/drawingml/2006/main" xmlns:r="http://schemas.openxmlformats.org/officeDocument/2006/relationships" xmlns:p="http://schemas.openxmlformats.org/presentationml/2006/main">
+  <p:cSld>
+    <p:bg>
+      <p:bgRef idx="1001">
+        <a:schemeClr val="bg1"/>
+      </p:bgRef>
+    </p:bg>
+    <p:spTree>
+      <p:nvGrpSpPr>
+        <p:cNvPr id="1" name=""/>
+        <p:cNvGrpSpPr/>
+        <p:nvPr/>
+      </p:nvGrpSpPr>
+      <p:grpSpPr>
+        <a:xfrm>
+          <a:off x="0" y="0"/>
+          <a:ext cx="0" cy="0"/>
+          <a:chOff x="0" y="0"/>
+          <a:chExt cx="0" cy="0"/>
+        </a:xfrm>
+      </p:grpSpPr>
+      <p:sp>
+        <p:nvSpPr>
+          <p:cNvPr id="2" name="Title 1">
+            <a:extLst>
+              <a:ext uri="{FF2B5EF4-FFF2-40B4-BE49-F238E27FC236}">
+                <a16:creationId xmlns:a16="http://schemas.microsoft.com/office/drawing/2014/main" id="{009AC59C-C5B7-4D56-A531-850720F8351F}"/>
+              </a:ext>
+            </a:extLst>
+          </p:cNvPr>
+          <p:cNvSpPr>
+            <a:spLocks noGrp="1"/>
+          </p:cNvSpPr>
+          <p:nvPr>
+            <p:ph type="title"/>
+          </p:nvPr>
+        </p:nvSpPr>
+        <p:spPr/>
+        <p:txBody>
+          <a:bodyPr/>
+          <a:lstStyle/>
+          <a:p>
+            <a:r>
+              <a:rPr lang="en-US" b="1" dirty="0" err="1">
+                <a:solidFill>
+                  <a:srgbClr val="FF0000"/>
+                </a:solidFill>
+                <a:latin typeface="Helvetica" panose="020B0604020202020204" pitchFamily="34" charset="0"/>
+                <a:cs typeface="Helvetica" panose="020B0604020202020204" pitchFamily="34" charset="0"/>
+              </a:rPr>
+              <a:t>Criticità</a:t>
+            </a:r>
+            <a:r>
+              <a:rPr lang="en-US" b="1" dirty="0">
+                <a:solidFill>
+                  <a:srgbClr val="FF0000"/>
+                </a:solidFill>
+                <a:latin typeface="Helvetica" panose="020B0604020202020204" pitchFamily="34" charset="0"/>
+                <a:cs typeface="Helvetica" panose="020B0604020202020204" pitchFamily="34" charset="0"/>
+              </a:rPr>
+              <a:t> e </a:t>
+            </a:r>
+            <a:r>
+              <a:rPr lang="en-US" b="1" dirty="0" err="1">
+                <a:solidFill>
+                  <a:srgbClr val="FF0000"/>
+                </a:solidFill>
+                <a:latin typeface="Helvetica" panose="020B0604020202020204" pitchFamily="34" charset="0"/>
+                <a:cs typeface="Helvetica" panose="020B0604020202020204" pitchFamily="34" charset="0"/>
+              </a:rPr>
+              <a:t>sviluppi</a:t>
+            </a:r>
+            <a:r>
+              <a:rPr lang="en-US" b="1" dirty="0">
+                <a:solidFill>
+                  <a:srgbClr val="FF0000"/>
+                </a:solidFill>
+                <a:latin typeface="Helvetica" panose="020B0604020202020204" pitchFamily="34" charset="0"/>
+                <a:cs typeface="Helvetica" panose="020B0604020202020204" pitchFamily="34" charset="0"/>
+              </a:rPr>
+              <a:t> </a:t>
+            </a:r>
+            <a:r>
+              <a:rPr lang="en-US" b="1" dirty="0" err="1">
+                <a:solidFill>
+                  <a:srgbClr val="FF0000"/>
+                </a:solidFill>
+                <a:latin typeface="Helvetica" panose="020B0604020202020204" pitchFamily="34" charset="0"/>
+                <a:cs typeface="Helvetica" panose="020B0604020202020204" pitchFamily="34" charset="0"/>
+              </a:rPr>
+              <a:t>futuri</a:t>
+            </a:r>
+            <a:endParaRPr lang="en-US" b="1" dirty="0">
+              <a:solidFill>
+                <a:srgbClr val="FF0000"/>
+              </a:solidFill>
+              <a:latin typeface="Helvetica" panose="020B0604020202020204" pitchFamily="34" charset="0"/>
+              <a:cs typeface="Helvetica" panose="020B0604020202020204" pitchFamily="34" charset="0"/>
+            </a:endParaRPr>
+          </a:p>
+        </p:txBody>
+      </p:sp>
+      <p:sp>
+        <p:nvSpPr>
+          <p:cNvPr id="3" name="Content Placeholder 2">
+            <a:extLst>
+              <a:ext uri="{FF2B5EF4-FFF2-40B4-BE49-F238E27FC236}">
+                <a16:creationId xmlns:a16="http://schemas.microsoft.com/office/drawing/2014/main" id="{CD0CBC22-284C-4482-B571-D791291A4227}"/>
+              </a:ext>
+            </a:extLst>
+          </p:cNvPr>
+          <p:cNvSpPr>
+            <a:spLocks noGrp="1"/>
+          </p:cNvSpPr>
+          <p:nvPr>
+            <p:ph idx="1"/>
+          </p:nvPr>
+        </p:nvSpPr>
+        <p:spPr>
+          <a:xfrm>
+            <a:off x="838200" y="1825625"/>
+            <a:ext cx="10515600" cy="4206207"/>
+          </a:xfrm>
+        </p:spPr>
+        <p:txBody>
+          <a:bodyPr/>
+          <a:lstStyle/>
+          <a:p>
+            <a:r>
+              <a:rPr lang="en-US" dirty="0">
+                <a:latin typeface="Helvetica" panose="020B0604020202020204" pitchFamily="34" charset="0"/>
+                <a:cs typeface="Helvetica" panose="020B0604020202020204" pitchFamily="34" charset="0"/>
+              </a:rPr>
+              <a:t>La community di </a:t>
+            </a:r>
+            <a:r>
+              <a:rPr lang="en-US" dirty="0" err="1">
+                <a:latin typeface="Helvetica" panose="020B0604020202020204" pitchFamily="34" charset="0"/>
+                <a:cs typeface="Helvetica" panose="020B0604020202020204" pitchFamily="34" charset="0"/>
+              </a:rPr>
+              <a:t>Trivia</a:t>
+            </a:r>
+            <a:r>
+              <a:rPr lang="en-US" b="1" dirty="0" err="1">
+                <a:solidFill>
+                  <a:srgbClr val="FF0000"/>
+                </a:solidFill>
+                <a:latin typeface="Helvetica" panose="020B0604020202020204" pitchFamily="34" charset="0"/>
+                <a:cs typeface="Helvetica" panose="020B0604020202020204" pitchFamily="34" charset="0"/>
+              </a:rPr>
+              <a:t>TED</a:t>
+            </a:r>
+            <a:r>
+              <a:rPr lang="en-US" dirty="0">
+                <a:latin typeface="Helvetica" panose="020B0604020202020204" pitchFamily="34" charset="0"/>
+                <a:cs typeface="Helvetica" panose="020B0604020202020204" pitchFamily="34" charset="0"/>
+              </a:rPr>
+              <a:t> </a:t>
+            </a:r>
+            <a:r>
+              <a:rPr lang="en-US" dirty="0" err="1">
+                <a:latin typeface="Helvetica" panose="020B0604020202020204" pitchFamily="34" charset="0"/>
+                <a:cs typeface="Helvetica" panose="020B0604020202020204" pitchFamily="34" charset="0"/>
+              </a:rPr>
+              <a:t>dovrà</a:t>
+            </a:r>
+            <a:r>
+              <a:rPr lang="en-US" dirty="0">
+                <a:latin typeface="Helvetica" panose="020B0604020202020204" pitchFamily="34" charset="0"/>
+                <a:cs typeface="Helvetica" panose="020B0604020202020204" pitchFamily="34" charset="0"/>
+              </a:rPr>
+              <a:t> </a:t>
+            </a:r>
+            <a:r>
+              <a:rPr lang="en-US" dirty="0" err="1">
+                <a:latin typeface="Helvetica" panose="020B0604020202020204" pitchFamily="34" charset="0"/>
+                <a:cs typeface="Helvetica" panose="020B0604020202020204" pitchFamily="34" charset="0"/>
+              </a:rPr>
+              <a:t>essere</a:t>
+            </a:r>
+            <a:r>
+              <a:rPr lang="en-US" dirty="0">
+                <a:latin typeface="Helvetica" panose="020B0604020202020204" pitchFamily="34" charset="0"/>
+                <a:cs typeface="Helvetica" panose="020B0604020202020204" pitchFamily="34" charset="0"/>
+              </a:rPr>
+              <a:t> </a:t>
+            </a:r>
+            <a:r>
+              <a:rPr lang="en-US" dirty="0" err="1">
+                <a:latin typeface="Helvetica" panose="020B0604020202020204" pitchFamily="34" charset="0"/>
+                <a:cs typeface="Helvetica" panose="020B0604020202020204" pitchFamily="34" charset="0"/>
+              </a:rPr>
+              <a:t>numerosa</a:t>
+            </a:r>
+            <a:r>
+              <a:rPr lang="en-US" dirty="0">
+                <a:latin typeface="Helvetica" panose="020B0604020202020204" pitchFamily="34" charset="0"/>
+                <a:cs typeface="Helvetica" panose="020B0604020202020204" pitchFamily="34" charset="0"/>
+              </a:rPr>
+              <a:t> e </a:t>
+            </a:r>
+            <a:r>
+              <a:rPr lang="en-US" dirty="0" err="1">
+                <a:latin typeface="Helvetica" panose="020B0604020202020204" pitchFamily="34" charset="0"/>
+                <a:cs typeface="Helvetica" panose="020B0604020202020204" pitchFamily="34" charset="0"/>
+              </a:rPr>
+              <a:t>attiva</a:t>
+            </a:r>
+            <a:endParaRPr lang="en-US" dirty="0">
+              <a:latin typeface="Helvetica" panose="020B0604020202020204" pitchFamily="34" charset="0"/>
+              <a:cs typeface="Helvetica" panose="020B0604020202020204" pitchFamily="34" charset="0"/>
+            </a:endParaRPr>
+          </a:p>
+          <a:p>
+            <a:r>
+              <a:rPr lang="en-US" dirty="0" err="1">
+                <a:latin typeface="Helvetica" panose="020B0604020202020204" pitchFamily="34" charset="0"/>
+                <a:cs typeface="Helvetica" panose="020B0604020202020204" pitchFamily="34" charset="0"/>
+              </a:rPr>
+              <a:t>Amministrazione</a:t>
+            </a:r>
+            <a:r>
+              <a:rPr lang="en-US" dirty="0">
+                <a:latin typeface="Helvetica" panose="020B0604020202020204" pitchFamily="34" charset="0"/>
+                <a:cs typeface="Helvetica" panose="020B0604020202020204" pitchFamily="34" charset="0"/>
+              </a:rPr>
+              <a:t> </a:t>
+            </a:r>
+            <a:r>
+              <a:rPr lang="en-US" dirty="0" err="1">
+                <a:latin typeface="Helvetica" panose="020B0604020202020204" pitchFamily="34" charset="0"/>
+                <a:cs typeface="Helvetica" panose="020B0604020202020204" pitchFamily="34" charset="0"/>
+              </a:rPr>
+              <a:t>delle</a:t>
+            </a:r>
+            <a:r>
+              <a:rPr lang="en-US" dirty="0">
+                <a:latin typeface="Helvetica" panose="020B0604020202020204" pitchFamily="34" charset="0"/>
+                <a:cs typeface="Helvetica" panose="020B0604020202020204" pitchFamily="34" charset="0"/>
+              </a:rPr>
+              <a:t> </a:t>
+            </a:r>
+            <a:r>
+              <a:rPr lang="en-US" dirty="0" err="1">
+                <a:latin typeface="Helvetica" panose="020B0604020202020204" pitchFamily="34" charset="0"/>
+                <a:cs typeface="Helvetica" panose="020B0604020202020204" pitchFamily="34" charset="0"/>
+              </a:rPr>
+              <a:t>domande</a:t>
+            </a:r>
+            <a:r>
+              <a:rPr lang="en-US" dirty="0">
+                <a:latin typeface="Helvetica" panose="020B0604020202020204" pitchFamily="34" charset="0"/>
+                <a:cs typeface="Helvetica" panose="020B0604020202020204" pitchFamily="34" charset="0"/>
+              </a:rPr>
+              <a:t> per </a:t>
+            </a:r>
+            <a:r>
+              <a:rPr lang="en-US" dirty="0" err="1">
+                <a:latin typeface="Helvetica" panose="020B0604020202020204" pitchFamily="34" charset="0"/>
+                <a:cs typeface="Helvetica" panose="020B0604020202020204" pitchFamily="34" charset="0"/>
+              </a:rPr>
+              <a:t>verificare</a:t>
+            </a:r>
+            <a:r>
+              <a:rPr lang="en-US" dirty="0">
+                <a:latin typeface="Helvetica" panose="020B0604020202020204" pitchFamily="34" charset="0"/>
+                <a:cs typeface="Helvetica" panose="020B0604020202020204" pitchFamily="34" charset="0"/>
+              </a:rPr>
+              <a:t> </a:t>
+            </a:r>
+            <a:r>
+              <a:rPr lang="en-US" dirty="0" err="1">
+                <a:latin typeface="Helvetica" panose="020B0604020202020204" pitchFamily="34" charset="0"/>
+                <a:cs typeface="Helvetica" panose="020B0604020202020204" pitchFamily="34" charset="0"/>
+              </a:rPr>
+              <a:t>coerenza</a:t>
+            </a:r>
+            <a:r>
+              <a:rPr lang="en-US" dirty="0">
+                <a:latin typeface="Helvetica" panose="020B0604020202020204" pitchFamily="34" charset="0"/>
+                <a:cs typeface="Helvetica" panose="020B0604020202020204" pitchFamily="34" charset="0"/>
+              </a:rPr>
+              <a:t> e </a:t>
+            </a:r>
+            <a:r>
+              <a:rPr lang="en-US" dirty="0" err="1">
+                <a:latin typeface="Helvetica" panose="020B0604020202020204" pitchFamily="34" charset="0"/>
+                <a:cs typeface="Helvetica" panose="020B0604020202020204" pitchFamily="34" charset="0"/>
+              </a:rPr>
+              <a:t>formalità</a:t>
+            </a:r>
+            <a:endParaRPr lang="en-US" dirty="0">
+              <a:latin typeface="Helvetica" panose="020B0604020202020204" pitchFamily="34" charset="0"/>
+              <a:cs typeface="Helvetica" panose="020B0604020202020204" pitchFamily="34" charset="0"/>
+            </a:endParaRPr>
+          </a:p>
+          <a:p>
+            <a:r>
+              <a:rPr lang="en-US" dirty="0">
+                <a:latin typeface="Helvetica" panose="020B0604020202020204" pitchFamily="34" charset="0"/>
+                <a:cs typeface="Helvetica" panose="020B0604020202020204" pitchFamily="34" charset="0"/>
+              </a:rPr>
+              <a:t>Futura </a:t>
+            </a:r>
+            <a:r>
+              <a:rPr lang="en-US" dirty="0" err="1">
+                <a:latin typeface="Helvetica" panose="020B0604020202020204" pitchFamily="34" charset="0"/>
+                <a:cs typeface="Helvetica" panose="020B0604020202020204" pitchFamily="34" charset="0"/>
+              </a:rPr>
+              <a:t>integrazione</a:t>
+            </a:r>
+            <a:r>
+              <a:rPr lang="en-US" dirty="0">
+                <a:latin typeface="Helvetica" panose="020B0604020202020204" pitchFamily="34" charset="0"/>
+                <a:cs typeface="Helvetica" panose="020B0604020202020204" pitchFamily="34" charset="0"/>
+              </a:rPr>
+              <a:t> di un job </a:t>
+            </a:r>
+            <a:r>
+              <a:rPr lang="en-US" dirty="0" err="1">
+                <a:latin typeface="Helvetica" panose="020B0604020202020204" pitchFamily="34" charset="0"/>
+                <a:cs typeface="Helvetica" panose="020B0604020202020204" pitchFamily="34" charset="0"/>
+              </a:rPr>
+              <a:t>che</a:t>
+            </a:r>
+            <a:r>
+              <a:rPr lang="en-US" dirty="0">
+                <a:latin typeface="Helvetica" panose="020B0604020202020204" pitchFamily="34" charset="0"/>
+                <a:cs typeface="Helvetica" panose="020B0604020202020204" pitchFamily="34" charset="0"/>
+              </a:rPr>
+              <a:t> </a:t>
+            </a:r>
+            <a:r>
+              <a:rPr lang="en-US" dirty="0" err="1">
+                <a:latin typeface="Helvetica" panose="020B0604020202020204" pitchFamily="34" charset="0"/>
+                <a:cs typeface="Helvetica" panose="020B0604020202020204" pitchFamily="34" charset="0"/>
+              </a:rPr>
+              <a:t>analizzi</a:t>
+            </a:r>
+            <a:r>
+              <a:rPr lang="en-US" dirty="0">
+                <a:latin typeface="Helvetica" panose="020B0604020202020204" pitchFamily="34" charset="0"/>
+                <a:cs typeface="Helvetica" panose="020B0604020202020204" pitchFamily="34" charset="0"/>
+              </a:rPr>
+              <a:t> </a:t>
+            </a:r>
+            <a:r>
+              <a:rPr lang="en-US" dirty="0" err="1">
+                <a:latin typeface="Helvetica" panose="020B0604020202020204" pitchFamily="34" charset="0"/>
+                <a:cs typeface="Helvetica" panose="020B0604020202020204" pitchFamily="34" charset="0"/>
+              </a:rPr>
+              <a:t>i</a:t>
+            </a:r>
+            <a:r>
+              <a:rPr lang="en-US" dirty="0">
+                <a:latin typeface="Helvetica" panose="020B0604020202020204" pitchFamily="34" charset="0"/>
+                <a:cs typeface="Helvetica" panose="020B0604020202020204" pitchFamily="34" charset="0"/>
+              </a:rPr>
+              <a:t> </a:t>
+            </a:r>
+            <a:r>
+              <a:rPr lang="en-US" dirty="0" err="1">
+                <a:latin typeface="Helvetica" panose="020B0604020202020204" pitchFamily="34" charset="0"/>
+                <a:cs typeface="Helvetica" panose="020B0604020202020204" pitchFamily="34" charset="0"/>
+              </a:rPr>
+              <a:t>testi</a:t>
+            </a:r>
+            <a:r>
+              <a:rPr lang="en-US" dirty="0">
+                <a:latin typeface="Helvetica" panose="020B0604020202020204" pitchFamily="34" charset="0"/>
+                <a:cs typeface="Helvetica" panose="020B0604020202020204" pitchFamily="34" charset="0"/>
+              </a:rPr>
+              <a:t> </a:t>
+            </a:r>
+            <a:r>
+              <a:rPr lang="en-US" dirty="0" err="1">
+                <a:latin typeface="Helvetica" panose="020B0604020202020204" pitchFamily="34" charset="0"/>
+                <a:cs typeface="Helvetica" panose="020B0604020202020204" pitchFamily="34" charset="0"/>
+              </a:rPr>
+              <a:t>dei</a:t>
+            </a:r>
+            <a:r>
+              <a:rPr lang="en-US" dirty="0">
+                <a:latin typeface="Helvetica" panose="020B0604020202020204" pitchFamily="34" charset="0"/>
+                <a:cs typeface="Helvetica" panose="020B0604020202020204" pitchFamily="34" charset="0"/>
+              </a:rPr>
+              <a:t> talk e </a:t>
+            </a:r>
+            <a:r>
+              <a:rPr lang="en-US" dirty="0" err="1">
+                <a:latin typeface="Helvetica" panose="020B0604020202020204" pitchFamily="34" charset="0"/>
+                <a:cs typeface="Helvetica" panose="020B0604020202020204" pitchFamily="34" charset="0"/>
+              </a:rPr>
+              <a:t>generi</a:t>
+            </a:r>
+            <a:r>
+              <a:rPr lang="en-US" dirty="0">
+                <a:latin typeface="Helvetica" panose="020B0604020202020204" pitchFamily="34" charset="0"/>
+                <a:cs typeface="Helvetica" panose="020B0604020202020204" pitchFamily="34" charset="0"/>
+              </a:rPr>
+              <a:t> in </a:t>
+            </a:r>
+            <a:r>
+              <a:rPr lang="en-US" dirty="0" err="1">
+                <a:latin typeface="Helvetica" panose="020B0604020202020204" pitchFamily="34" charset="0"/>
+                <a:cs typeface="Helvetica" panose="020B0604020202020204" pitchFamily="34" charset="0"/>
+              </a:rPr>
+              <a:t>automatico</a:t>
+            </a:r>
+            <a:r>
+              <a:rPr lang="en-US" dirty="0">
+                <a:latin typeface="Helvetica" panose="020B0604020202020204" pitchFamily="34" charset="0"/>
+                <a:cs typeface="Helvetica" panose="020B0604020202020204" pitchFamily="34" charset="0"/>
+              </a:rPr>
+              <a:t> </a:t>
+            </a:r>
+            <a:r>
+              <a:rPr lang="en-US" dirty="0" err="1">
+                <a:latin typeface="Helvetica" panose="020B0604020202020204" pitchFamily="34" charset="0"/>
+                <a:cs typeface="Helvetica" panose="020B0604020202020204" pitchFamily="34" charset="0"/>
+              </a:rPr>
+              <a:t>delle</a:t>
+            </a:r>
+            <a:r>
+              <a:rPr lang="en-US" dirty="0">
+                <a:latin typeface="Helvetica" panose="020B0604020202020204" pitchFamily="34" charset="0"/>
+                <a:cs typeface="Helvetica" panose="020B0604020202020204" pitchFamily="34" charset="0"/>
+              </a:rPr>
+              <a:t> </a:t>
+            </a:r>
+            <a:r>
+              <a:rPr lang="en-US" dirty="0" err="1">
+                <a:latin typeface="Helvetica" panose="020B0604020202020204" pitchFamily="34" charset="0"/>
+                <a:cs typeface="Helvetica" panose="020B0604020202020204" pitchFamily="34" charset="0"/>
+              </a:rPr>
+              <a:t>domande</a:t>
+            </a:r>
+            <a:endParaRPr lang="en-US" dirty="0">
+              <a:latin typeface="Helvetica" panose="020B0604020202020204" pitchFamily="34" charset="0"/>
+              <a:cs typeface="Helvetica" panose="020B0604020202020204" pitchFamily="34" charset="0"/>
+            </a:endParaRPr>
+          </a:p>
+          <a:p>
+            <a:r>
+              <a:rPr lang="en-US" dirty="0" err="1">
+                <a:latin typeface="Helvetica" panose="020B0604020202020204" pitchFamily="34" charset="0"/>
+                <a:cs typeface="Helvetica" panose="020B0604020202020204" pitchFamily="34" charset="0"/>
+              </a:rPr>
+              <a:t>Possibile</a:t>
+            </a:r>
+            <a:r>
+              <a:rPr lang="en-US" dirty="0">
+                <a:latin typeface="Helvetica" panose="020B0604020202020204" pitchFamily="34" charset="0"/>
+                <a:cs typeface="Helvetica" panose="020B0604020202020204" pitchFamily="34" charset="0"/>
+              </a:rPr>
+              <a:t>, </a:t>
+            </a:r>
+            <a:r>
+              <a:rPr lang="en-US" dirty="0" err="1">
+                <a:latin typeface="Helvetica" panose="020B0604020202020204" pitchFamily="34" charset="0"/>
+                <a:cs typeface="Helvetica" panose="020B0604020202020204" pitchFamily="34" charset="0"/>
+              </a:rPr>
+              <a:t>futura</a:t>
+            </a:r>
+            <a:r>
+              <a:rPr lang="en-US" dirty="0">
+                <a:latin typeface="Helvetica" panose="020B0604020202020204" pitchFamily="34" charset="0"/>
+                <a:cs typeface="Helvetica" panose="020B0604020202020204" pitchFamily="34" charset="0"/>
+              </a:rPr>
+              <a:t>, </a:t>
+            </a:r>
+            <a:r>
+              <a:rPr lang="en-US" dirty="0" err="1">
+                <a:latin typeface="Helvetica" panose="020B0604020202020204" pitchFamily="34" charset="0"/>
+                <a:cs typeface="Helvetica" panose="020B0604020202020204" pitchFamily="34" charset="0"/>
+              </a:rPr>
+              <a:t>integrazione</a:t>
+            </a:r>
+            <a:r>
+              <a:rPr lang="en-US" dirty="0">
+                <a:latin typeface="Helvetica" panose="020B0604020202020204" pitchFamily="34" charset="0"/>
+                <a:cs typeface="Helvetica" panose="020B0604020202020204" pitchFamily="34" charset="0"/>
+              </a:rPr>
+              <a:t> con </a:t>
+            </a:r>
+            <a:r>
+              <a:rPr lang="en-US" dirty="0" err="1">
+                <a:latin typeface="Helvetica" panose="020B0604020202020204" pitchFamily="34" charset="0"/>
+                <a:cs typeface="Helvetica" panose="020B0604020202020204" pitchFamily="34" charset="0"/>
+              </a:rPr>
+              <a:t>altre</a:t>
+            </a:r>
+            <a:r>
+              <a:rPr lang="en-US" dirty="0">
+                <a:latin typeface="Helvetica" panose="020B0604020202020204" pitchFamily="34" charset="0"/>
+                <a:cs typeface="Helvetica" panose="020B0604020202020204" pitchFamily="34" charset="0"/>
+              </a:rPr>
+              <a:t> </a:t>
+            </a:r>
+            <a:r>
+              <a:rPr lang="en-US" dirty="0" err="1">
+                <a:latin typeface="Helvetica" panose="020B0604020202020204" pitchFamily="34" charset="0"/>
+                <a:cs typeface="Helvetica" panose="020B0604020202020204" pitchFamily="34" charset="0"/>
+              </a:rPr>
+              <a:t>piattaforme</a:t>
+            </a:r>
+            <a:r>
+              <a:rPr lang="en-US" dirty="0">
+                <a:latin typeface="Helvetica" panose="020B0604020202020204" pitchFamily="34" charset="0"/>
+                <a:cs typeface="Helvetica" panose="020B0604020202020204" pitchFamily="34" charset="0"/>
+              </a:rPr>
+              <a:t> di video </a:t>
+            </a:r>
+            <a:r>
+              <a:rPr lang="en-US" dirty="0" err="1">
+                <a:latin typeface="Helvetica" panose="020B0604020202020204" pitchFamily="34" charset="0"/>
+                <a:cs typeface="Helvetica" panose="020B0604020202020204" pitchFamily="34" charset="0"/>
+              </a:rPr>
+              <a:t>divulgativi</a:t>
+            </a:r>
+            <a:endParaRPr lang="en-US" dirty="0">
+              <a:latin typeface="Helvetica" panose="020B0604020202020204" pitchFamily="34" charset="0"/>
+              <a:cs typeface="Helvetica" panose="020B0604020202020204" pitchFamily="34" charset="0"/>
+            </a:endParaRPr>
+          </a:p>
+          <a:p>
+            <a:endParaRPr lang="en-US" dirty="0">
+              <a:latin typeface="Helvetica" panose="020B0604020202020204" pitchFamily="34" charset="0"/>
+              <a:cs typeface="Helvetica" panose="020B0604020202020204" pitchFamily="34" charset="0"/>
+            </a:endParaRPr>
+          </a:p>
+        </p:txBody>
+      </p:sp>
+      <p:pic>
+        <p:nvPicPr>
+          <p:cNvPr id="4" name="Picture 3">
+            <a:extLst>
+              <a:ext uri="{FF2B5EF4-FFF2-40B4-BE49-F238E27FC236}">
+                <a16:creationId xmlns:a16="http://schemas.microsoft.com/office/drawing/2014/main" id="{A210BF1A-7569-4154-BD70-7A76073924EF}"/>
+              </a:ext>
+            </a:extLst>
+          </p:cNvPr>
+          <p:cNvPicPr>
+            <a:picLocks noChangeAspect="1"/>
+          </p:cNvPicPr>
+          <p:nvPr/>
+        </p:nvPicPr>
+        <p:blipFill>
+          <a:blip r:embed="rId3">
+            <a:extLst>
+              <a:ext uri="{28A0092B-C50C-407E-A947-70E740481C1C}">
+                <a14:useLocalDpi xmlns:a14="http://schemas.microsoft.com/office/drawing/2010/main" val="0"/>
+              </a:ext>
+            </a:extLst>
+          </a:blip>
+          <a:stretch>
+            <a:fillRect/>
+          </a:stretch>
+        </p:blipFill>
+        <p:spPr>
+          <a:xfrm>
+            <a:off x="10675011" y="5720258"/>
+            <a:ext cx="1516989" cy="1137742"/>
+          </a:xfrm>
+          <a:prstGeom prst="rect">
+            <a:avLst/>
+          </a:prstGeom>
+        </p:spPr>
+      </p:pic>
+      <p:sp>
+        <p:nvSpPr>
+          <p:cNvPr id="5" name="TextBox 4">
+            <a:extLst>
+              <a:ext uri="{FF2B5EF4-FFF2-40B4-BE49-F238E27FC236}">
+                <a16:creationId xmlns:a16="http://schemas.microsoft.com/office/drawing/2014/main" id="{744032EB-D902-4F87-A074-DA34C4699217}"/>
+              </a:ext>
+            </a:extLst>
+          </p:cNvPr>
+          <p:cNvSpPr txBox="1"/>
+          <p:nvPr/>
+        </p:nvSpPr>
+        <p:spPr>
+          <a:xfrm>
+            <a:off x="2443212" y="5458648"/>
+            <a:ext cx="7305576" cy="523220"/>
+          </a:xfrm>
+          <a:prstGeom prst="rect">
+            <a:avLst/>
+          </a:prstGeom>
+          <a:noFill/>
+        </p:spPr>
+        <p:txBody>
+          <a:bodyPr wrap="square" rtlCol="0">
+            <a:spAutoFit/>
+          </a:bodyPr>
+          <a:lstStyle/>
+          <a:p>
+            <a:pPr marL="0" indent="0" algn="ctr">
+              <a:buNone/>
+            </a:pPr>
+            <a:r>
+              <a:rPr lang="en-US" sz="2800" b="1" i="1" dirty="0">
+                <a:solidFill>
+                  <a:schemeClr val="bg1">
+                    <a:lumMod val="65000"/>
+                  </a:schemeClr>
+                </a:solidFill>
+                <a:latin typeface="Helvetica" panose="020B0604020202020204" pitchFamily="34" charset="0"/>
+                <a:cs typeface="Helvetica" panose="020B0604020202020204" pitchFamily="34" charset="0"/>
+              </a:rPr>
+              <a:t>Good Luck and have fun!</a:t>
+            </a:r>
+          </a:p>
+        </p:txBody>
+      </p:sp>
+    </p:spTree>
+    <p:extLst>
+      <p:ext uri="{BB962C8B-B14F-4D97-AF65-F5344CB8AC3E}">
+        <p14:creationId xmlns:p14="http://schemas.microsoft.com/office/powerpoint/2010/main" val="946076978"/>
+      </p:ext>
+    </p:extLst>
+  </p:cSld>
+  <p:clrMapOvr>
+    <a:overrideClrMapping bg1="lt1" tx1="dk1" bg2="lt2" tx2="dk2" accent1="accent1" accent2="accent2" accent3="accent3" accent4="accent4" accent5="accent5" accent6="accent6" hlink="hlink" folHlink="folHlink"/>
   </p:clrMapOvr>
 </p:sld>
 </file>
@@ -7338,4 +8395,47 @@
     </a:folHlink>
   </a:clrScheme>
 </a:themeOverride>
+</file>
+
+<file path=ppt/theme/themeOverride2.xml><?xml version="1.0" encoding="utf-8"?>
+<a:themeOverride xmlns:a="http://schemas.openxmlformats.org/drawingml/2006/main">
+  <a:clrScheme name="Office">
+    <a:dk1>
+      <a:sysClr val="windowText" lastClr="000000"/>
+    </a:dk1>
+    <a:lt1>
+      <a:sysClr val="window" lastClr="FFFFFF"/>
+    </a:lt1>
+    <a:dk2>
+      <a:srgbClr val="44546A"/>
+    </a:dk2>
+    <a:lt2>
+      <a:srgbClr val="E7E6E6"/>
+    </a:lt2>
+    <a:accent1>
+      <a:srgbClr val="4472C4"/>
+    </a:accent1>
+    <a:accent2>
+      <a:srgbClr val="ED7D31"/>
+    </a:accent2>
+    <a:accent3>
+      <a:srgbClr val="A5A5A5"/>
+    </a:accent3>
+    <a:accent4>
+      <a:srgbClr val="FFC000"/>
+    </a:accent4>
+    <a:accent5>
+      <a:srgbClr val="5B9BD5"/>
+    </a:accent5>
+    <a:accent6>
+      <a:srgbClr val="70AD47"/>
+    </a:accent6>
+    <a:hlink>
+      <a:srgbClr val="0563C1"/>
+    </a:hlink>
+    <a:folHlink>
+      <a:srgbClr val="954F72"/>
+    </a:folHlink>
+  </a:clrScheme>
+</a:themeOverride>
 </file>